--- a/Coding Club Ads and other Files/2022 to 2023 Coding Club Advertisement.pptx
+++ b/Coding Club Ads and other Files/2022 to 2023 Coding Club Advertisement.pptx
@@ -243,7 +243,7 @@
           <a:p>
             <a:fld id="{2212870E-CD17-40AC-AFE6-4A58F0BA0849}" type="datetimeFigureOut">
               <a:rPr lang="en-US" smtClean="0"/>
-              <a:t>10/14/2022</a:t>
+              <a:t>10/30/2022</a:t>
             </a:fld>
             <a:endParaRPr lang="en-US"/>
           </a:p>
@@ -413,7 +413,7 @@
           <a:p>
             <a:fld id="{2212870E-CD17-40AC-AFE6-4A58F0BA0849}" type="datetimeFigureOut">
               <a:rPr lang="en-US" smtClean="0"/>
-              <a:t>10/14/2022</a:t>
+              <a:t>10/30/2022</a:t>
             </a:fld>
             <a:endParaRPr lang="en-US"/>
           </a:p>
@@ -593,7 +593,7 @@
           <a:p>
             <a:fld id="{2212870E-CD17-40AC-AFE6-4A58F0BA0849}" type="datetimeFigureOut">
               <a:rPr lang="en-US" smtClean="0"/>
-              <a:t>10/14/2022</a:t>
+              <a:t>10/30/2022</a:t>
             </a:fld>
             <a:endParaRPr lang="en-US"/>
           </a:p>
@@ -763,7 +763,7 @@
           <a:p>
             <a:fld id="{2212870E-CD17-40AC-AFE6-4A58F0BA0849}" type="datetimeFigureOut">
               <a:rPr lang="en-US" smtClean="0"/>
-              <a:t>10/14/2022</a:t>
+              <a:t>10/30/2022</a:t>
             </a:fld>
             <a:endParaRPr lang="en-US"/>
           </a:p>
@@ -1007,7 +1007,7 @@
           <a:p>
             <a:fld id="{2212870E-CD17-40AC-AFE6-4A58F0BA0849}" type="datetimeFigureOut">
               <a:rPr lang="en-US" smtClean="0"/>
-              <a:t>10/14/2022</a:t>
+              <a:t>10/30/2022</a:t>
             </a:fld>
             <a:endParaRPr lang="en-US"/>
           </a:p>
@@ -1239,7 +1239,7 @@
           <a:p>
             <a:fld id="{2212870E-CD17-40AC-AFE6-4A58F0BA0849}" type="datetimeFigureOut">
               <a:rPr lang="en-US" smtClean="0"/>
-              <a:t>10/14/2022</a:t>
+              <a:t>10/30/2022</a:t>
             </a:fld>
             <a:endParaRPr lang="en-US"/>
           </a:p>
@@ -1606,7 +1606,7 @@
           <a:p>
             <a:fld id="{2212870E-CD17-40AC-AFE6-4A58F0BA0849}" type="datetimeFigureOut">
               <a:rPr lang="en-US" smtClean="0"/>
-              <a:t>10/14/2022</a:t>
+              <a:t>10/30/2022</a:t>
             </a:fld>
             <a:endParaRPr lang="en-US"/>
           </a:p>
@@ -1724,7 +1724,7 @@
           <a:p>
             <a:fld id="{2212870E-CD17-40AC-AFE6-4A58F0BA0849}" type="datetimeFigureOut">
               <a:rPr lang="en-US" smtClean="0"/>
-              <a:t>10/14/2022</a:t>
+              <a:t>10/30/2022</a:t>
             </a:fld>
             <a:endParaRPr lang="en-US"/>
           </a:p>
@@ -1819,7 +1819,7 @@
           <a:p>
             <a:fld id="{2212870E-CD17-40AC-AFE6-4A58F0BA0849}" type="datetimeFigureOut">
               <a:rPr lang="en-US" smtClean="0"/>
-              <a:t>10/14/2022</a:t>
+              <a:t>10/30/2022</a:t>
             </a:fld>
             <a:endParaRPr lang="en-US"/>
           </a:p>
@@ -2096,7 +2096,7 @@
           <a:p>
             <a:fld id="{2212870E-CD17-40AC-AFE6-4A58F0BA0849}" type="datetimeFigureOut">
               <a:rPr lang="en-US" smtClean="0"/>
-              <a:t>10/14/2022</a:t>
+              <a:t>10/30/2022</a:t>
             </a:fld>
             <a:endParaRPr lang="en-US"/>
           </a:p>
@@ -2353,7 +2353,7 @@
           <a:p>
             <a:fld id="{2212870E-CD17-40AC-AFE6-4A58F0BA0849}" type="datetimeFigureOut">
               <a:rPr lang="en-US" smtClean="0"/>
-              <a:t>10/14/2022</a:t>
+              <a:t>10/30/2022</a:t>
             </a:fld>
             <a:endParaRPr lang="en-US"/>
           </a:p>
@@ -2566,7 +2566,7 @@
           <a:p>
             <a:fld id="{2212870E-CD17-40AC-AFE6-4A58F0BA0849}" type="datetimeFigureOut">
               <a:rPr lang="en-US" smtClean="0"/>
-              <a:t>10/14/2022</a:t>
+              <a:t>10/30/2022</a:t>
             </a:fld>
             <a:endParaRPr lang="en-US"/>
           </a:p>
@@ -3027,22 +3027,42 @@
         </p:nvSpPr>
         <p:spPr>
           <a:xfrm>
-            <a:off x="293962" y="6387453"/>
-            <a:ext cx="7242682" cy="3531325"/>
+            <a:off x="293962" y="6174404"/>
+            <a:ext cx="7242682" cy="3801576"/>
           </a:xfrm>
         </p:spPr>
         <p:txBody>
           <a:bodyPr>
-            <a:normAutofit/>
+            <a:normAutofit lnSpcReduction="10000"/>
           </a:bodyPr>
           <a:lstStyle/>
+          <a:p>
+            <a:r>
+              <a:rPr lang="en-US" dirty="0">
+                <a:latin typeface="Cascadia Code" panose="020B0609020000020004" pitchFamily="49" charset="0"/>
+                <a:cs typeface="Cascadia Code" panose="020B0609020000020004" pitchFamily="49" charset="0"/>
+                <a:hlinkClick r:id="rId2"/>
+              </a:rPr>
+              <a:t>https://forms.office.com/Pages/ResponsePage.aspx?id=VGZw_NSNrUO32IhD8WGXXigPwIXu8JZHuKz_ckepTQJUMzk2NEZCQjFXR1I2MUc0RllOTk1UVjAxTS4u</a:t>
+            </a:r>
+            <a:endParaRPr lang="en-US" dirty="0">
+              <a:latin typeface="Cascadia Code" panose="020B0609020000020004" pitchFamily="49" charset="0"/>
+              <a:cs typeface="Cascadia Code" panose="020B0609020000020004" pitchFamily="49" charset="0"/>
+            </a:endParaRPr>
+          </a:p>
+          <a:p>
+            <a:endParaRPr lang="en-US" dirty="0">
+              <a:latin typeface="Cascadia Code" panose="020B0609020000020004" pitchFamily="49" charset="0"/>
+              <a:cs typeface="Cascadia Code" panose="020B0609020000020004" pitchFamily="49" charset="0"/>
+            </a:endParaRPr>
+          </a:p>
           <a:p>
             <a:r>
               <a:rPr lang="en-US" dirty="0">
                 <a:latin typeface="Cascadia Code" panose="020B0609020000020004" pitchFamily="49" charset="0"/>
                 <a:cs typeface="Cascadia Code" panose="020B0609020000020004" pitchFamily="49" charset="0"/>
               </a:rPr>
-              <a:t>To get on the email list and get more info, scan the QR code and fill out the form</a:t>
+              <a:t>To get on the email list and get more info, scan the QR code to fill out the form</a:t>
             </a:r>
           </a:p>
           <a:p>
@@ -3061,24 +3081,8 @@
                 <a:latin typeface="Cascadia Code" panose="020B0609020000020004" pitchFamily="49" charset="0"/>
                 <a:cs typeface="Cascadia Code" panose="020B0609020000020004" pitchFamily="49" charset="0"/>
               </a:rPr>
-              <a:t>Meetings will be held at 19:30 online on Wednesdays</a:t>
-            </a:r>
-          </a:p>
-          <a:p>
-            <a:r>
-              <a:rPr lang="en-US" b="0" i="0" dirty="0">
-                <a:effectLst/>
-                <a:latin typeface="Cascadia Code" panose="020B0609020000020004" pitchFamily="49" charset="0"/>
-                <a:cs typeface="Cascadia Code" panose="020B0609020000020004" pitchFamily="49" charset="0"/>
-                <a:hlinkClick r:id="rId2" tooltip="Original URL: https://sunymaritime.zoom.us/j/89642773260?pwd=NmhwUnM4UDVSM3lWWmdYeHhUWW1TZz09. Click or tap if you trust this link."/>
-              </a:rPr>
-              <a:t>https://sunymaritime.zoom.us/j/89642773260?pwd=NmhwUnM4UDVSM3lWWmdYeHhUWW1TZz09</a:t>
-            </a:r>
-            <a:endParaRPr lang="en-US" b="0" i="0" dirty="0">
-              <a:effectLst/>
-              <a:latin typeface="Cascadia Code" panose="020B0609020000020004" pitchFamily="49" charset="0"/>
-              <a:cs typeface="Cascadia Code" panose="020B0609020000020004" pitchFamily="49" charset="0"/>
-            </a:endParaRPr>
+              <a:t>Meetings will be held on Thursdays at 17:00 in S&amp;E Room 303</a:t>
+            </a:r>
           </a:p>
           <a:p>
             <a:endParaRPr lang="en-US" dirty="0">
@@ -3125,7 +3129,7 @@
         </p:blipFill>
         <p:spPr>
           <a:xfrm>
-            <a:off x="1392699" y="1235720"/>
+            <a:off x="1363596" y="1129196"/>
             <a:ext cx="5045208" cy="5045208"/>
           </a:xfrm>
           <a:prstGeom prst="rect">
